--- a/phaser/lectures/2. introduction to phaser.pptx
+++ b/phaser/lectures/2. introduction to phaser.pptx
@@ -7,6 +7,10 @@
   <p:sldIdLst>
     <p:sldId id="256" r:id="rId2"/>
     <p:sldId id="257" r:id="rId3"/>
+    <p:sldId id="258" r:id="rId4"/>
+    <p:sldId id="259" r:id="rId5"/>
+    <p:sldId id="260" r:id="rId6"/>
+    <p:sldId id="261" r:id="rId7"/>
   </p:sldIdLst>
   <p:sldSz cx="12192000" cy="6858000"/>
   <p:notesSz cx="6858000" cy="9144000"/>
@@ -108,12 +112,12 @@
   <p:extLst>
     <p:ext uri="{EFAFB233-063F-42B5-8137-9DF3F51BA10A}">
       <p15:sldGuideLst xmlns:p15="http://schemas.microsoft.com/office/powerpoint/2012/main">
-        <p15:guide id="1" orient="horz" pos="2160" userDrawn="1">
+        <p15:guide id="1" orient="horz" pos="552" userDrawn="1">
           <p15:clr>
             <a:srgbClr val="A4A3A4"/>
           </p15:clr>
         </p15:guide>
-        <p15:guide id="2" pos="3840" userDrawn="1">
+        <p15:guide id="2" pos="672" userDrawn="1">
           <p15:clr>
             <a:srgbClr val="A4A3A4"/>
           </p15:clr>
@@ -310,7 +314,7 @@
           <a:p>
             <a:fld id="{D78F46D0-5BD5-419F-8DC2-10565186378F}" type="datetimeFigureOut">
               <a:rPr lang="en-PH" smtClean="0"/>
-              <a:t>1/27/2017</a:t>
+              <a:t>2/9/2017</a:t>
             </a:fld>
             <a:endParaRPr lang="en-PH"/>
           </a:p>
@@ -585,7 +589,7 @@
           <a:p>
             <a:fld id="{D78F46D0-5BD5-419F-8DC2-10565186378F}" type="datetimeFigureOut">
               <a:rPr lang="en-PH" smtClean="0"/>
-              <a:t>1/27/2017</a:t>
+              <a:t>2/9/2017</a:t>
             </a:fld>
             <a:endParaRPr lang="en-PH"/>
           </a:p>
@@ -779,7 +783,7 @@
           <a:p>
             <a:fld id="{D78F46D0-5BD5-419F-8DC2-10565186378F}" type="datetimeFigureOut">
               <a:rPr lang="en-PH" smtClean="0"/>
-              <a:t>1/27/2017</a:t>
+              <a:t>2/9/2017</a:t>
             </a:fld>
             <a:endParaRPr lang="en-PH"/>
           </a:p>
@@ -1052,7 +1056,7 @@
           <a:p>
             <a:fld id="{D78F46D0-5BD5-419F-8DC2-10565186378F}" type="datetimeFigureOut">
               <a:rPr lang="en-PH" smtClean="0"/>
-              <a:t>1/27/2017</a:t>
+              <a:t>2/9/2017</a:t>
             </a:fld>
             <a:endParaRPr lang="en-PH"/>
           </a:p>
@@ -1393,7 +1397,7 @@
           <a:p>
             <a:fld id="{D78F46D0-5BD5-419F-8DC2-10565186378F}" type="datetimeFigureOut">
               <a:rPr lang="en-PH" smtClean="0"/>
-              <a:t>1/27/2017</a:t>
+              <a:t>2/9/2017</a:t>
             </a:fld>
             <a:endParaRPr lang="en-PH"/>
           </a:p>
@@ -2016,7 +2020,7 @@
           <a:p>
             <a:fld id="{D78F46D0-5BD5-419F-8DC2-10565186378F}" type="datetimeFigureOut">
               <a:rPr lang="en-PH" smtClean="0"/>
-              <a:t>1/27/2017</a:t>
+              <a:t>2/9/2017</a:t>
             </a:fld>
             <a:endParaRPr lang="en-PH"/>
           </a:p>
@@ -2876,7 +2880,7 @@
           <a:p>
             <a:fld id="{D78F46D0-5BD5-419F-8DC2-10565186378F}" type="datetimeFigureOut">
               <a:rPr lang="en-PH" smtClean="0"/>
-              <a:t>1/27/2017</a:t>
+              <a:t>2/9/2017</a:t>
             </a:fld>
             <a:endParaRPr lang="en-PH"/>
           </a:p>
@@ -3046,7 +3050,7 @@
           <a:p>
             <a:fld id="{D78F46D0-5BD5-419F-8DC2-10565186378F}" type="datetimeFigureOut">
               <a:rPr lang="en-PH" smtClean="0"/>
-              <a:t>1/27/2017</a:t>
+              <a:t>2/9/2017</a:t>
             </a:fld>
             <a:endParaRPr lang="en-PH"/>
           </a:p>
@@ -3226,7 +3230,7 @@
           <a:p>
             <a:fld id="{D78F46D0-5BD5-419F-8DC2-10565186378F}" type="datetimeFigureOut">
               <a:rPr lang="en-PH" smtClean="0"/>
-              <a:t>1/27/2017</a:t>
+              <a:t>2/9/2017</a:t>
             </a:fld>
             <a:endParaRPr lang="en-PH"/>
           </a:p>
@@ -3396,7 +3400,7 @@
           <a:p>
             <a:fld id="{D78F46D0-5BD5-419F-8DC2-10565186378F}" type="datetimeFigureOut">
               <a:rPr lang="en-PH" smtClean="0"/>
-              <a:t>1/27/2017</a:t>
+              <a:t>2/9/2017</a:t>
             </a:fld>
             <a:endParaRPr lang="en-PH"/>
           </a:p>
@@ -3643,7 +3647,7 @@
           <a:p>
             <a:fld id="{D78F46D0-5BD5-419F-8DC2-10565186378F}" type="datetimeFigureOut">
               <a:rPr lang="en-PH" smtClean="0"/>
-              <a:t>1/27/2017</a:t>
+              <a:t>2/9/2017</a:t>
             </a:fld>
             <a:endParaRPr lang="en-PH"/>
           </a:p>
@@ -3935,7 +3939,7 @@
           <a:p>
             <a:fld id="{D78F46D0-5BD5-419F-8DC2-10565186378F}" type="datetimeFigureOut">
               <a:rPr lang="en-PH" smtClean="0"/>
-              <a:t>1/27/2017</a:t>
+              <a:t>2/9/2017</a:t>
             </a:fld>
             <a:endParaRPr lang="en-PH"/>
           </a:p>
@@ -4379,7 +4383,7 @@
           <a:p>
             <a:fld id="{D78F46D0-5BD5-419F-8DC2-10565186378F}" type="datetimeFigureOut">
               <a:rPr lang="en-PH" smtClean="0"/>
-              <a:t>1/27/2017</a:t>
+              <a:t>2/9/2017</a:t>
             </a:fld>
             <a:endParaRPr lang="en-PH"/>
           </a:p>
@@ -4497,7 +4501,7 @@
           <a:p>
             <a:fld id="{D78F46D0-5BD5-419F-8DC2-10565186378F}" type="datetimeFigureOut">
               <a:rPr lang="en-PH" smtClean="0"/>
-              <a:t>1/27/2017</a:t>
+              <a:t>2/9/2017</a:t>
             </a:fld>
             <a:endParaRPr lang="en-PH"/>
           </a:p>
@@ -4592,7 +4596,7 @@
           <a:p>
             <a:fld id="{D78F46D0-5BD5-419F-8DC2-10565186378F}" type="datetimeFigureOut">
               <a:rPr lang="en-PH" smtClean="0"/>
-              <a:t>1/27/2017</a:t>
+              <a:t>2/9/2017</a:t>
             </a:fld>
             <a:endParaRPr lang="en-PH"/>
           </a:p>
@@ -4871,7 +4875,7 @@
           <a:p>
             <a:fld id="{D78F46D0-5BD5-419F-8DC2-10565186378F}" type="datetimeFigureOut">
               <a:rPr lang="en-PH" smtClean="0"/>
-              <a:t>1/27/2017</a:t>
+              <a:t>2/9/2017</a:t>
             </a:fld>
             <a:endParaRPr lang="en-PH"/>
           </a:p>
@@ -5146,7 +5150,7 @@
           <a:p>
             <a:fld id="{D78F46D0-5BD5-419F-8DC2-10565186378F}" type="datetimeFigureOut">
               <a:rPr lang="en-PH" smtClean="0"/>
-              <a:t>1/27/2017</a:t>
+              <a:t>2/9/2017</a:t>
             </a:fld>
             <a:endParaRPr lang="en-PH"/>
           </a:p>
@@ -5575,7 +5579,7 @@
           <a:p>
             <a:fld id="{D78F46D0-5BD5-419F-8DC2-10565186378F}" type="datetimeFigureOut">
               <a:rPr lang="en-PH" smtClean="0"/>
-              <a:t>1/27/2017</a:t>
+              <a:t>2/9/2017</a:t>
             </a:fld>
             <a:endParaRPr lang="en-PH"/>
           </a:p>
@@ -6320,16 +6324,554 @@
             </a:r>
             <a:r>
               <a:rPr lang="en-PH" dirty="0"/>
-              <a:t>, regardless if you use it for a commercial or free project.</a:t>
+              <a:t>, regardless if you use it for a commercial or free project</a:t>
+            </a:r>
+            <a:r>
+              <a:rPr lang="en-PH" dirty="0" smtClean="0"/>
+              <a:t>.</a:t>
+            </a:r>
+          </a:p>
+          <a:p>
+            <a:pPr marL="0" indent="0">
+              <a:buNone/>
+            </a:pPr>
+            <a:r>
+              <a:rPr lang="en-PH" dirty="0" err="1" smtClean="0"/>
+              <a:t>Phaser</a:t>
+            </a:r>
+            <a:r>
+              <a:rPr lang="en-PH" dirty="0" smtClean="0"/>
+              <a:t> features:</a:t>
             </a:r>
             <a:endParaRPr lang="en-PH" dirty="0"/>
           </a:p>
         </p:txBody>
       </p:sp>
+      <p:pic>
+        <p:nvPicPr>
+          <p:cNvPr id="4" name="Picture 3"/>
+          <p:cNvPicPr>
+            <a:picLocks noChangeAspect="1"/>
+          </p:cNvPicPr>
+          <p:nvPr/>
+        </p:nvPicPr>
+        <p:blipFill rotWithShape="1">
+          <a:blip r:embed="rId2"/>
+          <a:srcRect l="8771" t="20776" r="7220" b="27493"/>
+          <a:stretch/>
+        </p:blipFill>
+        <p:spPr>
+          <a:xfrm>
+            <a:off x="657653" y="2731789"/>
+            <a:ext cx="10930597" cy="3784210"/>
+          </a:xfrm>
+          <a:prstGeom prst="rect">
+            <a:avLst/>
+          </a:prstGeom>
+        </p:spPr>
+      </p:pic>
     </p:spTree>
     <p:extLst>
       <p:ext uri="{BB962C8B-B14F-4D97-AF65-F5344CB8AC3E}">
         <p14:creationId xmlns:p14="http://schemas.microsoft.com/office/powerpoint/2010/main" val="3079166932"/>
+      </p:ext>
+    </p:extLst>
+  </p:cSld>
+  <p:clrMapOvr>
+    <a:masterClrMapping/>
+  </p:clrMapOvr>
+</p:sld>
+</file>
+
+<file path=ppt/slides/slide3.xml><?xml version="1.0" encoding="utf-8"?>
+<p:sld xmlns:a="http://schemas.openxmlformats.org/drawingml/2006/main" xmlns:r="http://schemas.openxmlformats.org/officeDocument/2006/relationships" xmlns:p="http://schemas.openxmlformats.org/presentationml/2006/main">
+  <p:cSld>
+    <p:spTree>
+      <p:nvGrpSpPr>
+        <p:cNvPr id="1" name=""/>
+        <p:cNvGrpSpPr/>
+        <p:nvPr/>
+      </p:nvGrpSpPr>
+      <p:grpSpPr>
+        <a:xfrm>
+          <a:off x="0" y="0"/>
+          <a:ext cx="0" cy="0"/>
+          <a:chOff x="0" y="0"/>
+          <a:chExt cx="0" cy="0"/>
+        </a:xfrm>
+      </p:grpSpPr>
+      <p:sp>
+        <p:nvSpPr>
+          <p:cNvPr id="2" name="Title 1"/>
+          <p:cNvSpPr>
+            <a:spLocks noGrp="1"/>
+          </p:cNvSpPr>
+          <p:nvPr>
+            <p:ph type="title"/>
+          </p:nvPr>
+        </p:nvSpPr>
+        <p:spPr/>
+        <p:txBody>
+          <a:bodyPr/>
+          <a:lstStyle/>
+          <a:p>
+            <a:r>
+              <a:rPr lang="en-PH" b="1" dirty="0"/>
+              <a:t>Installing a web server</a:t>
+            </a:r>
+          </a:p>
+        </p:txBody>
+      </p:sp>
+      <p:sp>
+        <p:nvSpPr>
+          <p:cNvPr id="3" name="Content Placeholder 2"/>
+          <p:cNvSpPr>
+            <a:spLocks noGrp="1"/>
+          </p:cNvSpPr>
+          <p:nvPr>
+            <p:ph idx="1"/>
+          </p:nvPr>
+        </p:nvSpPr>
+        <p:spPr/>
+        <p:txBody>
+          <a:bodyPr/>
+          <a:lstStyle/>
+          <a:p>
+            <a:pPr marL="0" indent="0">
+              <a:buNone/>
+            </a:pPr>
+            <a:r>
+              <a:rPr lang="en-PH" dirty="0"/>
+              <a:t>On Windows there are lots of "bundle installers" available which package together and set-up popular web technologies like Apache, PHP and MySQL from a single exe</a:t>
+            </a:r>
+            <a:r>
+              <a:rPr lang="en-PH" dirty="0" smtClean="0"/>
+              <a:t>.</a:t>
+            </a:r>
+          </a:p>
+          <a:p>
+            <a:pPr marL="0" indent="0">
+              <a:buNone/>
+            </a:pPr>
+            <a:r>
+              <a:rPr lang="en-PH" dirty="0" smtClean="0"/>
+              <a:t>We need to set up a webserver to run our game but no worries when you decided to package the app. It will run as normal game as expected.</a:t>
+            </a:r>
+            <a:endParaRPr lang="en-PH" dirty="0"/>
+          </a:p>
+        </p:txBody>
+      </p:sp>
+    </p:spTree>
+    <p:extLst>
+      <p:ext uri="{BB962C8B-B14F-4D97-AF65-F5344CB8AC3E}">
+        <p14:creationId xmlns:p14="http://schemas.microsoft.com/office/powerpoint/2010/main" val="1885978599"/>
+      </p:ext>
+    </p:extLst>
+  </p:cSld>
+  <p:clrMapOvr>
+    <a:masterClrMapping/>
+  </p:clrMapOvr>
+</p:sld>
+</file>
+
+<file path=ppt/slides/slide4.xml><?xml version="1.0" encoding="utf-8"?>
+<p:sld xmlns:a="http://schemas.openxmlformats.org/drawingml/2006/main" xmlns:r="http://schemas.openxmlformats.org/officeDocument/2006/relationships" xmlns:p="http://schemas.openxmlformats.org/presentationml/2006/main">
+  <p:cSld>
+    <p:spTree>
+      <p:nvGrpSpPr>
+        <p:cNvPr id="1" name=""/>
+        <p:cNvGrpSpPr/>
+        <p:nvPr/>
+      </p:nvGrpSpPr>
+      <p:grpSpPr>
+        <a:xfrm>
+          <a:off x="0" y="0"/>
+          <a:ext cx="0" cy="0"/>
+          <a:chOff x="0" y="0"/>
+          <a:chExt cx="0" cy="0"/>
+        </a:xfrm>
+      </p:grpSpPr>
+      <p:sp>
+        <p:nvSpPr>
+          <p:cNvPr id="2" name="Title 1"/>
+          <p:cNvSpPr>
+            <a:spLocks noGrp="1"/>
+          </p:cNvSpPr>
+          <p:nvPr>
+            <p:ph type="title"/>
+          </p:nvPr>
+        </p:nvSpPr>
+        <p:spPr/>
+        <p:txBody>
+          <a:bodyPr/>
+          <a:lstStyle/>
+          <a:p>
+            <a:r>
+              <a:rPr lang="en-PH" dirty="0" smtClean="0"/>
+              <a:t>Creating the Game</a:t>
+            </a:r>
+            <a:endParaRPr lang="en-PH" dirty="0"/>
+          </a:p>
+        </p:txBody>
+      </p:sp>
+      <p:pic>
+        <p:nvPicPr>
+          <p:cNvPr id="5" name="Content Placeholder 4"/>
+          <p:cNvPicPr>
+            <a:picLocks noGrp="1" noChangeAspect="1"/>
+          </p:cNvPicPr>
+          <p:nvPr>
+            <p:ph idx="1"/>
+          </p:nvPr>
+        </p:nvPicPr>
+        <p:blipFill rotWithShape="1">
+          <a:blip r:embed="rId2"/>
+          <a:srcRect l="10903" t="7537" r="149" b="20552"/>
+          <a:stretch/>
+        </p:blipFill>
+        <p:spPr>
+          <a:xfrm>
+            <a:off x="492368" y="1378633"/>
+            <a:ext cx="11141614" cy="5064371"/>
+          </a:xfrm>
+          <a:prstGeom prst="rect">
+            <a:avLst/>
+          </a:prstGeom>
+        </p:spPr>
+      </p:pic>
+    </p:spTree>
+    <p:extLst>
+      <p:ext uri="{BB962C8B-B14F-4D97-AF65-F5344CB8AC3E}">
+        <p14:creationId xmlns:p14="http://schemas.microsoft.com/office/powerpoint/2010/main" val="2305886624"/>
+      </p:ext>
+    </p:extLst>
+  </p:cSld>
+  <p:clrMapOvr>
+    <a:masterClrMapping/>
+  </p:clrMapOvr>
+</p:sld>
+</file>
+
+<file path=ppt/slides/slide5.xml><?xml version="1.0" encoding="utf-8"?>
+<p:sld xmlns:a="http://schemas.openxmlformats.org/drawingml/2006/main" xmlns:r="http://schemas.openxmlformats.org/officeDocument/2006/relationships" xmlns:p="http://schemas.openxmlformats.org/presentationml/2006/main">
+  <p:cSld>
+    <p:spTree>
+      <p:nvGrpSpPr>
+        <p:cNvPr id="1" name=""/>
+        <p:cNvGrpSpPr/>
+        <p:nvPr/>
+      </p:nvGrpSpPr>
+      <p:grpSpPr>
+        <a:xfrm>
+          <a:off x="0" y="0"/>
+          <a:ext cx="0" cy="0"/>
+          <a:chOff x="0" y="0"/>
+          <a:chExt cx="0" cy="0"/>
+        </a:xfrm>
+      </p:grpSpPr>
+      <p:sp>
+        <p:nvSpPr>
+          <p:cNvPr id="3" name="Content Placeholder 2"/>
+          <p:cNvSpPr>
+            <a:spLocks noGrp="1"/>
+          </p:cNvSpPr>
+          <p:nvPr>
+            <p:ph idx="1"/>
+          </p:nvPr>
+        </p:nvSpPr>
+        <p:spPr>
+          <a:xfrm>
+            <a:off x="1103312" y="900332"/>
+            <a:ext cx="9700676" cy="5348067"/>
+          </a:xfrm>
+        </p:spPr>
+        <p:txBody>
+          <a:bodyPr/>
+          <a:lstStyle/>
+          <a:p>
+            <a:pPr marL="0" indent="0">
+              <a:buNone/>
+            </a:pPr>
+            <a:r>
+              <a:rPr lang="en-PH" dirty="0"/>
+              <a:t>Line 1 is where you bring </a:t>
+            </a:r>
+            <a:r>
+              <a:rPr lang="en-PH" dirty="0" err="1"/>
+              <a:t>Phaser</a:t>
+            </a:r>
+            <a:r>
+              <a:rPr lang="en-PH" dirty="0"/>
+              <a:t> to life by creating an instance of a </a:t>
+            </a:r>
+            <a:r>
+              <a:rPr lang="en-PH" dirty="0" err="1"/>
+              <a:t>Phaser.Game</a:t>
+            </a:r>
+            <a:r>
+              <a:rPr lang="en-PH" dirty="0"/>
+              <a:t> object and assigning it to a local variable called 'game'. Calling it 'game' is a common practice, but not a requirement, and this is what you will find in the </a:t>
+            </a:r>
+            <a:r>
+              <a:rPr lang="en-PH" dirty="0" err="1"/>
+              <a:t>Phaser</a:t>
+            </a:r>
+            <a:r>
+              <a:rPr lang="en-PH" dirty="0"/>
+              <a:t> examples</a:t>
+            </a:r>
+            <a:r>
+              <a:rPr lang="en-PH" dirty="0" smtClean="0"/>
+              <a:t>.</a:t>
+            </a:r>
+            <a:endParaRPr lang="en-PH" dirty="0"/>
+          </a:p>
+          <a:p>
+            <a:pPr marL="0" indent="0">
+              <a:buNone/>
+            </a:pPr>
+            <a:r>
+              <a:rPr lang="en-PH" dirty="0"/>
+              <a:t>The first two parameters are the width and the height of the canvas element that </a:t>
+            </a:r>
+            <a:r>
+              <a:rPr lang="en-PH" dirty="0" err="1"/>
+              <a:t>Phaser</a:t>
+            </a:r>
+            <a:r>
+              <a:rPr lang="en-PH" dirty="0"/>
+              <a:t> will create. In this case 800 x 600 pixels. Your game world can be any size you like, but this is the resolution the game will display in. The third parameter can be either </a:t>
+            </a:r>
+            <a:r>
+              <a:rPr lang="en-PH" dirty="0" err="1"/>
+              <a:t>Phaser.CANVAS</a:t>
+            </a:r>
+            <a:r>
+              <a:rPr lang="en-PH" dirty="0"/>
+              <a:t>, </a:t>
+            </a:r>
+            <a:r>
+              <a:rPr lang="en-PH" dirty="0" err="1"/>
+              <a:t>Phaser.WEBGL</a:t>
+            </a:r>
+            <a:r>
+              <a:rPr lang="en-PH" dirty="0"/>
+              <a:t>, or </a:t>
+            </a:r>
+            <a:r>
+              <a:rPr lang="en-PH" dirty="0" err="1"/>
+              <a:t>Phaser.AUTO</a:t>
+            </a:r>
+            <a:r>
+              <a:rPr lang="en-PH" dirty="0"/>
+              <a:t>. This is the rendering context that you want to use. The recommended parameter is </a:t>
+            </a:r>
+            <a:r>
+              <a:rPr lang="en-PH" dirty="0" err="1"/>
+              <a:t>Phaser.AUTO</a:t>
+            </a:r>
+            <a:r>
+              <a:rPr lang="en-PH" dirty="0"/>
+              <a:t> which automatically tries to use </a:t>
+            </a:r>
+            <a:r>
+              <a:rPr lang="en-PH" dirty="0" err="1"/>
+              <a:t>WebGL</a:t>
+            </a:r>
+            <a:r>
+              <a:rPr lang="en-PH" dirty="0"/>
+              <a:t>, but if the browser or device doesn't support it it'll fall back to Canvas</a:t>
+            </a:r>
+            <a:r>
+              <a:rPr lang="en-PH" dirty="0" smtClean="0"/>
+              <a:t>.</a:t>
+            </a:r>
+          </a:p>
+          <a:p>
+            <a:pPr marL="0" indent="0">
+              <a:buNone/>
+            </a:pPr>
+            <a:endParaRPr lang="en-PH" dirty="0" smtClean="0"/>
+          </a:p>
+        </p:txBody>
+      </p:sp>
+    </p:spTree>
+    <p:extLst>
+      <p:ext uri="{BB962C8B-B14F-4D97-AF65-F5344CB8AC3E}">
+        <p14:creationId xmlns:p14="http://schemas.microsoft.com/office/powerpoint/2010/main" val="1325848479"/>
+      </p:ext>
+    </p:extLst>
+  </p:cSld>
+  <p:clrMapOvr>
+    <a:masterClrMapping/>
+  </p:clrMapOvr>
+</p:sld>
+</file>
+
+<file path=ppt/slides/slide6.xml><?xml version="1.0" encoding="utf-8"?>
+<p:sld xmlns:a="http://schemas.openxmlformats.org/drawingml/2006/main" xmlns:r="http://schemas.openxmlformats.org/officeDocument/2006/relationships" xmlns:p="http://schemas.openxmlformats.org/presentationml/2006/main">
+  <p:cSld>
+    <p:spTree>
+      <p:nvGrpSpPr>
+        <p:cNvPr id="1" name=""/>
+        <p:cNvGrpSpPr/>
+        <p:nvPr/>
+      </p:nvGrpSpPr>
+      <p:grpSpPr>
+        <a:xfrm>
+          <a:off x="0" y="0"/>
+          <a:ext cx="0" cy="0"/>
+          <a:chOff x="0" y="0"/>
+          <a:chExt cx="0" cy="0"/>
+        </a:xfrm>
+      </p:grpSpPr>
+      <p:sp>
+        <p:nvSpPr>
+          <p:cNvPr id="3" name="Content Placeholder 2"/>
+          <p:cNvSpPr>
+            <a:spLocks noGrp="1"/>
+          </p:cNvSpPr>
+          <p:nvPr>
+            <p:ph idx="1"/>
+          </p:nvPr>
+        </p:nvSpPr>
+        <p:spPr>
+          <a:xfrm>
+            <a:off x="1066800" y="876300"/>
+            <a:ext cx="9841353" cy="5376202"/>
+          </a:xfrm>
+        </p:spPr>
+        <p:txBody>
+          <a:bodyPr>
+            <a:normAutofit/>
+          </a:bodyPr>
+          <a:lstStyle/>
+          <a:p>
+            <a:pPr marL="0" indent="0">
+              <a:buNone/>
+            </a:pPr>
+            <a:r>
+              <a:rPr lang="en-PH" dirty="0"/>
+              <a:t>The first two parameters are the width and the height of the </a:t>
+            </a:r>
+            <a:r>
+              <a:rPr lang="en-PH" dirty="0" smtClean="0"/>
+              <a:t>canvas element </a:t>
+            </a:r>
+            <a:r>
+              <a:rPr lang="en-PH" dirty="0"/>
+              <a:t>that </a:t>
+            </a:r>
+            <a:r>
+              <a:rPr lang="en-PH" dirty="0" err="1"/>
+              <a:t>Phaser</a:t>
+            </a:r>
+            <a:r>
+              <a:rPr lang="en-PH" dirty="0"/>
+              <a:t> will create. In this case 800 x 600 pixels. Your game world can be any size you like, but this is the resolution the game will display in. The third parameter can be either </a:t>
+            </a:r>
+            <a:r>
+              <a:rPr lang="en-PH" dirty="0" err="1"/>
+              <a:t>Phaser.CANVAS</a:t>
+            </a:r>
+            <a:r>
+              <a:rPr lang="en-PH" dirty="0"/>
+              <a:t>, </a:t>
+            </a:r>
+            <a:r>
+              <a:rPr lang="en-PH" dirty="0" err="1"/>
+              <a:t>Phaser.WEBGL</a:t>
+            </a:r>
+            <a:r>
+              <a:rPr lang="en-PH" dirty="0"/>
+              <a:t>, or </a:t>
+            </a:r>
+            <a:r>
+              <a:rPr lang="en-PH" dirty="0" err="1"/>
+              <a:t>Phaser.AUTO</a:t>
+            </a:r>
+            <a:r>
+              <a:rPr lang="en-PH" dirty="0"/>
+              <a:t>. This is the rendering context that you want to use. The recommended parameter is </a:t>
+            </a:r>
+            <a:r>
+              <a:rPr lang="en-PH" dirty="0" err="1"/>
+              <a:t>Phaser.AUTO</a:t>
+            </a:r>
+            <a:r>
+              <a:rPr lang="en-PH" dirty="0"/>
+              <a:t> which automatically tries to use </a:t>
+            </a:r>
+            <a:r>
+              <a:rPr lang="en-PH" dirty="0" err="1"/>
+              <a:t>WebGL</a:t>
+            </a:r>
+            <a:r>
+              <a:rPr lang="en-PH" dirty="0"/>
+              <a:t>, but if the browser or device doesn't support it it'll fall back to Canvas.</a:t>
+            </a:r>
+          </a:p>
+          <a:p>
+            <a:pPr marL="0" indent="0">
+              <a:buNone/>
+            </a:pPr>
+            <a:r>
+              <a:rPr lang="en-PH" dirty="0"/>
+              <a:t>The fourth parameter is an empty string, this is the id of the DOM element in which you would like to insert the canvas element that </a:t>
+            </a:r>
+            <a:r>
+              <a:rPr lang="en-PH" dirty="0" err="1"/>
+              <a:t>Phaser</a:t>
+            </a:r>
+            <a:r>
+              <a:rPr lang="en-PH" dirty="0"/>
+              <a:t> creates. As we've left it blank it will simply be appended to the body. The final parameter is an object containing four references to </a:t>
+            </a:r>
+            <a:r>
+              <a:rPr lang="en-PH" dirty="0" err="1"/>
+              <a:t>Phasers</a:t>
+            </a:r>
+            <a:r>
+              <a:rPr lang="en-PH" dirty="0"/>
+              <a:t> essential functions. Their use </a:t>
+            </a:r>
+            <a:r>
+              <a:rPr lang="en-PH" dirty="0" smtClean="0"/>
+              <a:t>will be </a:t>
+            </a:r>
+            <a:r>
+              <a:rPr lang="en-PH" dirty="0"/>
+              <a:t>thoroughly explained </a:t>
+            </a:r>
+            <a:r>
+              <a:rPr lang="en-PH" dirty="0" smtClean="0"/>
+              <a:t>later. </a:t>
+            </a:r>
+            <a:r>
+              <a:rPr lang="en-PH" dirty="0"/>
+              <a:t>Note that this object isn't required - </a:t>
+            </a:r>
+            <a:r>
+              <a:rPr lang="en-PH" dirty="0" err="1"/>
+              <a:t>Phaser</a:t>
+            </a:r>
+            <a:r>
+              <a:rPr lang="en-PH" dirty="0"/>
+              <a:t> supports a full State system allowing you to break your code into much cleaner single objects. But for a simple Getting Started guide such as this we'll use this approach as it allows for faster prototyping.</a:t>
+            </a:r>
+          </a:p>
+          <a:p>
+            <a:pPr marL="0" indent="0">
+              <a:buNone/>
+            </a:pPr>
+            <a:endParaRPr lang="en-PH" b="1" dirty="0"/>
+          </a:p>
+        </p:txBody>
+      </p:sp>
+    </p:spTree>
+    <p:extLst>
+      <p:ext uri="{BB962C8B-B14F-4D97-AF65-F5344CB8AC3E}">
+        <p14:creationId xmlns:p14="http://schemas.microsoft.com/office/powerpoint/2010/main" val="2842358885"/>
       </p:ext>
     </p:extLst>
   </p:cSld>
